--- a/files/Document3.pptx
+++ b/files/Document3.pptx
@@ -1,11 +1,11 @@
 
 <file path=ppt/presentation.xml><?xml version="1.0" encoding="utf-8"?>
-<p:presentation xmlns:a="http://schemas.openxmlformats.org/drawingml/2006/main" xmlns:r="http://schemas.openxmlformats.org/officeDocument/2006/relationships" xmlns:p="http://schemas.openxmlformats.org/presentationml/2006/main" saveSubsetFonts="1" autoCompressPictures="0">
+<p:presentation xmlns:a="http://schemas.openxmlformats.org/drawingml/2006/main" xmlns:r="http://schemas.openxmlformats.org/officeDocument/2006/relationships" xmlns:p="http://schemas.openxmlformats.org/presentationml/2006/main" autoCompressPictures="0">
   <p:sldMasterIdLst>
     <p:sldMasterId id="2147483648" r:id="rId1"/>
   </p:sldMasterIdLst>
   <p:sldIdLst>
-    <p:sldId id="256" r:id="rId2"/>
+    <p:sldId id="256" r:id="rId3"/>
   </p:sldIdLst>
   <p:sldSz cx="12192000" cy="6858000"/>
   <p:notesSz cx="6858000" cy="9144000"/>
@@ -126,13 +126,7 @@
       </p:grpSpPr>
       <p:sp>
         <p:nvSpPr>
-          <p:cNvPr id="2" name="Title 1">
-            <a:extLst>
-              <a:ext uri="{FF2B5EF4-FFF2-40B4-BE49-F238E27FC236}">
-                <a16:creationId xmlns:a16="http://schemas.microsoft.com/office/drawing/2014/main" id="{F1DADD1B-9AB2-054A-988C-DD400C0D0904}"/>
-              </a:ext>
-            </a:extLst>
-          </p:cNvPr>
+          <p:cNvPr id="2" name="Title 1"/>
           <p:cNvSpPr>
             <a:spLocks noGrp="1"/>
           </p:cNvSpPr>
@@ -158,18 +152,13 @@
               <a:rPr lang="en-US"/>
               <a:t>Click to edit Master title style</a:t>
             </a:r>
-          </a:p>
-        </p:txBody>
-      </p:sp>
-      <p:sp>
-        <p:nvSpPr>
-          <p:cNvPr id="3" name="Subtitle 2">
-            <a:extLst>
-              <a:ext uri="{FF2B5EF4-FFF2-40B4-BE49-F238E27FC236}">
-                <a16:creationId xmlns:a16="http://schemas.microsoft.com/office/drawing/2014/main" id="{5B9E48D7-9B9E-334B-82A4-AD9759E04EDF}"/>
-              </a:ext>
-            </a:extLst>
-          </p:cNvPr>
+            <a:endParaRPr lang="en-US"/>
+          </a:p>
+        </p:txBody>
+      </p:sp>
+      <p:sp>
+        <p:nvSpPr>
+          <p:cNvPr id="3" name="Subtitle 2"/>
           <p:cNvSpPr>
             <a:spLocks noGrp="1"/>
           </p:cNvSpPr>
@@ -228,18 +217,13 @@
               <a:rPr lang="en-US"/>
               <a:t>Click to edit Master subtitle style</a:t>
             </a:r>
-          </a:p>
-        </p:txBody>
-      </p:sp>
-      <p:sp>
-        <p:nvSpPr>
-          <p:cNvPr id="4" name="Date Placeholder 3">
-            <a:extLst>
-              <a:ext uri="{FF2B5EF4-FFF2-40B4-BE49-F238E27FC236}">
-                <a16:creationId xmlns:a16="http://schemas.microsoft.com/office/drawing/2014/main" id="{8FA3A901-BF2B-A24B-AF20-E790EAB2D343}"/>
-              </a:ext>
-            </a:extLst>
-          </p:cNvPr>
+            <a:endParaRPr lang="en-US"/>
+          </a:p>
+        </p:txBody>
+      </p:sp>
+      <p:sp>
+        <p:nvSpPr>
+          <p:cNvPr id="4" name="Date Placeholder 3"/>
           <p:cNvSpPr>
             <a:spLocks noGrp="1"/>
           </p:cNvSpPr>
@@ -254,7 +238,6 @@
           <a:p>
             <a:fld id="{D13C35F0-329A-0F49-A52C-AA1E4378AACF}" type="datetimeFigureOut">
               <a:rPr lang="en-US" smtClean="0"/>
-              <a:t>5/29/19</a:t>
             </a:fld>
             <a:endParaRPr lang="en-US"/>
           </a:p>
@@ -262,13 +245,7 @@
       </p:sp>
       <p:sp>
         <p:nvSpPr>
-          <p:cNvPr id="5" name="Footer Placeholder 4">
-            <a:extLst>
-              <a:ext uri="{FF2B5EF4-FFF2-40B4-BE49-F238E27FC236}">
-                <a16:creationId xmlns:a16="http://schemas.microsoft.com/office/drawing/2014/main" id="{38AC36CA-8A25-734F-84D2-8FB943039E3B}"/>
-              </a:ext>
-            </a:extLst>
-          </p:cNvPr>
+          <p:cNvPr id="5" name="Footer Placeholder 4"/>
           <p:cNvSpPr>
             <a:spLocks noGrp="1"/>
           </p:cNvSpPr>
@@ -287,13 +264,7 @@
       </p:sp>
       <p:sp>
         <p:nvSpPr>
-          <p:cNvPr id="6" name="Slide Number Placeholder 5">
-            <a:extLst>
-              <a:ext uri="{FF2B5EF4-FFF2-40B4-BE49-F238E27FC236}">
-                <a16:creationId xmlns:a16="http://schemas.microsoft.com/office/drawing/2014/main" id="{3954B0EB-1931-3646-B45A-6D71C171BE5F}"/>
-              </a:ext>
-            </a:extLst>
-          </p:cNvPr>
+          <p:cNvPr id="6" name="Slide Number Placeholder 5"/>
           <p:cNvSpPr>
             <a:spLocks noGrp="1"/>
           </p:cNvSpPr>
@@ -308,18 +279,12 @@
           <a:p>
             <a:fld id="{8A492A30-9916-364B-869F-AEB2191D56C3}" type="slidenum">
               <a:rPr lang="en-US" smtClean="0"/>
-              <a:t>‹#›</a:t>
             </a:fld>
             <a:endParaRPr lang="en-US"/>
           </a:p>
         </p:txBody>
       </p:sp>
     </p:spTree>
-    <p:extLst>
-      <p:ext uri="{BB962C8B-B14F-4D97-AF65-F5344CB8AC3E}">
-        <p14:creationId xmlns:p14="http://schemas.microsoft.com/office/powerpoint/2010/main" val="3905758412"/>
-      </p:ext>
-    </p:extLst>
   </p:cSld>
   <p:clrMapOvr>
     <a:masterClrMapping/>
@@ -346,13 +311,7 @@
       </p:grpSpPr>
       <p:sp>
         <p:nvSpPr>
-          <p:cNvPr id="2" name="Title 1">
-            <a:extLst>
-              <a:ext uri="{FF2B5EF4-FFF2-40B4-BE49-F238E27FC236}">
-                <a16:creationId xmlns:a16="http://schemas.microsoft.com/office/drawing/2014/main" id="{BBE1F868-A5C8-5E4F-A595-63C33E4CCA35}"/>
-              </a:ext>
-            </a:extLst>
-          </p:cNvPr>
+          <p:cNvPr id="2" name="Title 1"/>
           <p:cNvSpPr>
             <a:spLocks noGrp="1"/>
           </p:cNvSpPr>
@@ -369,18 +328,13 @@
               <a:rPr lang="en-US"/>
               <a:t>Click to edit Master title style</a:t>
             </a:r>
-          </a:p>
-        </p:txBody>
-      </p:sp>
-      <p:sp>
-        <p:nvSpPr>
-          <p:cNvPr id="3" name="Vertical Text Placeholder 2">
-            <a:extLst>
-              <a:ext uri="{FF2B5EF4-FFF2-40B4-BE49-F238E27FC236}">
-                <a16:creationId xmlns:a16="http://schemas.microsoft.com/office/drawing/2014/main" id="{EF73593C-2A82-0845-9CE2-92FF608793C3}"/>
-              </a:ext>
-            </a:extLst>
-          </p:cNvPr>
+            <a:endParaRPr lang="en-US"/>
+          </a:p>
+        </p:txBody>
+      </p:sp>
+      <p:sp>
+        <p:nvSpPr>
+          <p:cNvPr id="3" name="Vertical Text Placeholder 2"/>
           <p:cNvSpPr>
             <a:spLocks noGrp="1"/>
           </p:cNvSpPr>
@@ -398,6 +352,7 @@
               <a:rPr lang="en-US"/>
               <a:t>Edit Master text styles</a:t>
             </a:r>
+            <a:endParaRPr lang="en-US"/>
           </a:p>
           <a:p>
             <a:pPr lvl="1"/>
@@ -405,6 +360,7 @@
               <a:rPr lang="en-US"/>
               <a:t>Second level</a:t>
             </a:r>
+            <a:endParaRPr lang="en-US"/>
           </a:p>
           <a:p>
             <a:pPr lvl="2"/>
@@ -412,6 +368,7 @@
               <a:rPr lang="en-US"/>
               <a:t>Third level</a:t>
             </a:r>
+            <a:endParaRPr lang="en-US"/>
           </a:p>
           <a:p>
             <a:pPr lvl="3"/>
@@ -419,6 +376,7 @@
               <a:rPr lang="en-US"/>
               <a:t>Fourth level</a:t>
             </a:r>
+            <a:endParaRPr lang="en-US"/>
           </a:p>
           <a:p>
             <a:pPr lvl="4"/>
@@ -426,18 +384,13 @@
               <a:rPr lang="en-US"/>
               <a:t>Fifth level</a:t>
             </a:r>
-          </a:p>
-        </p:txBody>
-      </p:sp>
-      <p:sp>
-        <p:nvSpPr>
-          <p:cNvPr id="4" name="Date Placeholder 3">
-            <a:extLst>
-              <a:ext uri="{FF2B5EF4-FFF2-40B4-BE49-F238E27FC236}">
-                <a16:creationId xmlns:a16="http://schemas.microsoft.com/office/drawing/2014/main" id="{318EE5B4-2135-CF40-B375-3A908DA4915A}"/>
-              </a:ext>
-            </a:extLst>
-          </p:cNvPr>
+            <a:endParaRPr lang="en-US"/>
+          </a:p>
+        </p:txBody>
+      </p:sp>
+      <p:sp>
+        <p:nvSpPr>
+          <p:cNvPr id="4" name="Date Placeholder 3"/>
           <p:cNvSpPr>
             <a:spLocks noGrp="1"/>
           </p:cNvSpPr>
@@ -452,7 +405,6 @@
           <a:p>
             <a:fld id="{D13C35F0-329A-0F49-A52C-AA1E4378AACF}" type="datetimeFigureOut">
               <a:rPr lang="en-US" smtClean="0"/>
-              <a:t>5/29/19</a:t>
             </a:fld>
             <a:endParaRPr lang="en-US"/>
           </a:p>
@@ -460,13 +412,7 @@
       </p:sp>
       <p:sp>
         <p:nvSpPr>
-          <p:cNvPr id="5" name="Footer Placeholder 4">
-            <a:extLst>
-              <a:ext uri="{FF2B5EF4-FFF2-40B4-BE49-F238E27FC236}">
-                <a16:creationId xmlns:a16="http://schemas.microsoft.com/office/drawing/2014/main" id="{E7940CAF-F38A-1242-8619-F23AD26B35AC}"/>
-              </a:ext>
-            </a:extLst>
-          </p:cNvPr>
+          <p:cNvPr id="5" name="Footer Placeholder 4"/>
           <p:cNvSpPr>
             <a:spLocks noGrp="1"/>
           </p:cNvSpPr>
@@ -485,13 +431,7 @@
       </p:sp>
       <p:sp>
         <p:nvSpPr>
-          <p:cNvPr id="6" name="Slide Number Placeholder 5">
-            <a:extLst>
-              <a:ext uri="{FF2B5EF4-FFF2-40B4-BE49-F238E27FC236}">
-                <a16:creationId xmlns:a16="http://schemas.microsoft.com/office/drawing/2014/main" id="{321FA834-CF4D-394B-906C-965F8718608E}"/>
-              </a:ext>
-            </a:extLst>
-          </p:cNvPr>
+          <p:cNvPr id="6" name="Slide Number Placeholder 5"/>
           <p:cNvSpPr>
             <a:spLocks noGrp="1"/>
           </p:cNvSpPr>
@@ -506,18 +446,12 @@
           <a:p>
             <a:fld id="{8A492A30-9916-364B-869F-AEB2191D56C3}" type="slidenum">
               <a:rPr lang="en-US" smtClean="0"/>
-              <a:t>‹#›</a:t>
             </a:fld>
             <a:endParaRPr lang="en-US"/>
           </a:p>
         </p:txBody>
       </p:sp>
     </p:spTree>
-    <p:extLst>
-      <p:ext uri="{BB962C8B-B14F-4D97-AF65-F5344CB8AC3E}">
-        <p14:creationId xmlns:p14="http://schemas.microsoft.com/office/powerpoint/2010/main" val="4117130801"/>
-      </p:ext>
-    </p:extLst>
   </p:cSld>
   <p:clrMapOvr>
     <a:masterClrMapping/>
@@ -544,13 +478,7 @@
       </p:grpSpPr>
       <p:sp>
         <p:nvSpPr>
-          <p:cNvPr id="2" name="Vertical Title 1">
-            <a:extLst>
-              <a:ext uri="{FF2B5EF4-FFF2-40B4-BE49-F238E27FC236}">
-                <a16:creationId xmlns:a16="http://schemas.microsoft.com/office/drawing/2014/main" id="{C683E424-D334-2C4F-8F6F-27881F09ACA7}"/>
-              </a:ext>
-            </a:extLst>
-          </p:cNvPr>
+          <p:cNvPr id="2" name="Vertical Title 1"/>
           <p:cNvSpPr>
             <a:spLocks noGrp="1"/>
           </p:cNvSpPr>
@@ -572,18 +500,13 @@
               <a:rPr lang="en-US"/>
               <a:t>Click to edit Master title style</a:t>
             </a:r>
-          </a:p>
-        </p:txBody>
-      </p:sp>
-      <p:sp>
-        <p:nvSpPr>
-          <p:cNvPr id="3" name="Vertical Text Placeholder 2">
-            <a:extLst>
-              <a:ext uri="{FF2B5EF4-FFF2-40B4-BE49-F238E27FC236}">
-                <a16:creationId xmlns:a16="http://schemas.microsoft.com/office/drawing/2014/main" id="{F12E9B60-F9A7-1E4D-A2BF-D6014AC48FFA}"/>
-              </a:ext>
-            </a:extLst>
-          </p:cNvPr>
+            <a:endParaRPr lang="en-US"/>
+          </a:p>
+        </p:txBody>
+      </p:sp>
+      <p:sp>
+        <p:nvSpPr>
+          <p:cNvPr id="3" name="Vertical Text Placeholder 2"/>
           <p:cNvSpPr>
             <a:spLocks noGrp="1"/>
           </p:cNvSpPr>
@@ -606,6 +529,7 @@
               <a:rPr lang="en-US"/>
               <a:t>Edit Master text styles</a:t>
             </a:r>
+            <a:endParaRPr lang="en-US"/>
           </a:p>
           <a:p>
             <a:pPr lvl="1"/>
@@ -613,6 +537,7 @@
               <a:rPr lang="en-US"/>
               <a:t>Second level</a:t>
             </a:r>
+            <a:endParaRPr lang="en-US"/>
           </a:p>
           <a:p>
             <a:pPr lvl="2"/>
@@ -620,6 +545,7 @@
               <a:rPr lang="en-US"/>
               <a:t>Third level</a:t>
             </a:r>
+            <a:endParaRPr lang="en-US"/>
           </a:p>
           <a:p>
             <a:pPr lvl="3"/>
@@ -627,6 +553,7 @@
               <a:rPr lang="en-US"/>
               <a:t>Fourth level</a:t>
             </a:r>
+            <a:endParaRPr lang="en-US"/>
           </a:p>
           <a:p>
             <a:pPr lvl="4"/>
@@ -634,18 +561,13 @@
               <a:rPr lang="en-US"/>
               <a:t>Fifth level</a:t>
             </a:r>
-          </a:p>
-        </p:txBody>
-      </p:sp>
-      <p:sp>
-        <p:nvSpPr>
-          <p:cNvPr id="4" name="Date Placeholder 3">
-            <a:extLst>
-              <a:ext uri="{FF2B5EF4-FFF2-40B4-BE49-F238E27FC236}">
-                <a16:creationId xmlns:a16="http://schemas.microsoft.com/office/drawing/2014/main" id="{B152EFF4-4835-9E4A-831A-D4511880D9C9}"/>
-              </a:ext>
-            </a:extLst>
-          </p:cNvPr>
+            <a:endParaRPr lang="en-US"/>
+          </a:p>
+        </p:txBody>
+      </p:sp>
+      <p:sp>
+        <p:nvSpPr>
+          <p:cNvPr id="4" name="Date Placeholder 3"/>
           <p:cNvSpPr>
             <a:spLocks noGrp="1"/>
           </p:cNvSpPr>
@@ -660,7 +582,6 @@
           <a:p>
             <a:fld id="{D13C35F0-329A-0F49-A52C-AA1E4378AACF}" type="datetimeFigureOut">
               <a:rPr lang="en-US" smtClean="0"/>
-              <a:t>5/29/19</a:t>
             </a:fld>
             <a:endParaRPr lang="en-US"/>
           </a:p>
@@ -668,13 +589,7 @@
       </p:sp>
       <p:sp>
         <p:nvSpPr>
-          <p:cNvPr id="5" name="Footer Placeholder 4">
-            <a:extLst>
-              <a:ext uri="{FF2B5EF4-FFF2-40B4-BE49-F238E27FC236}">
-                <a16:creationId xmlns:a16="http://schemas.microsoft.com/office/drawing/2014/main" id="{502DCB57-5AEE-8846-9DC7-107D472DB8DA}"/>
-              </a:ext>
-            </a:extLst>
-          </p:cNvPr>
+          <p:cNvPr id="5" name="Footer Placeholder 4"/>
           <p:cNvSpPr>
             <a:spLocks noGrp="1"/>
           </p:cNvSpPr>
@@ -693,13 +608,7 @@
       </p:sp>
       <p:sp>
         <p:nvSpPr>
-          <p:cNvPr id="6" name="Slide Number Placeholder 5">
-            <a:extLst>
-              <a:ext uri="{FF2B5EF4-FFF2-40B4-BE49-F238E27FC236}">
-                <a16:creationId xmlns:a16="http://schemas.microsoft.com/office/drawing/2014/main" id="{B20AC389-4573-4B41-8892-DA0713324201}"/>
-              </a:ext>
-            </a:extLst>
-          </p:cNvPr>
+          <p:cNvPr id="6" name="Slide Number Placeholder 5"/>
           <p:cNvSpPr>
             <a:spLocks noGrp="1"/>
           </p:cNvSpPr>
@@ -714,18 +623,12 @@
           <a:p>
             <a:fld id="{8A492A30-9916-364B-869F-AEB2191D56C3}" type="slidenum">
               <a:rPr lang="en-US" smtClean="0"/>
-              <a:t>‹#›</a:t>
             </a:fld>
             <a:endParaRPr lang="en-US"/>
           </a:p>
         </p:txBody>
       </p:sp>
     </p:spTree>
-    <p:extLst>
-      <p:ext uri="{BB962C8B-B14F-4D97-AF65-F5344CB8AC3E}">
-        <p14:creationId xmlns:p14="http://schemas.microsoft.com/office/powerpoint/2010/main" val="255529117"/>
-      </p:ext>
-    </p:extLst>
   </p:cSld>
   <p:clrMapOvr>
     <a:masterClrMapping/>
@@ -752,13 +655,7 @@
       </p:grpSpPr>
       <p:sp>
         <p:nvSpPr>
-          <p:cNvPr id="2" name="Title 1">
-            <a:extLst>
-              <a:ext uri="{FF2B5EF4-FFF2-40B4-BE49-F238E27FC236}">
-                <a16:creationId xmlns:a16="http://schemas.microsoft.com/office/drawing/2014/main" id="{6A1163A2-C730-CD43-92E7-E502DCC29729}"/>
-              </a:ext>
-            </a:extLst>
-          </p:cNvPr>
+          <p:cNvPr id="2" name="Title 1"/>
           <p:cNvSpPr>
             <a:spLocks noGrp="1"/>
           </p:cNvSpPr>
@@ -775,18 +672,13 @@
               <a:rPr lang="en-US"/>
               <a:t>Click to edit Master title style</a:t>
             </a:r>
-          </a:p>
-        </p:txBody>
-      </p:sp>
-      <p:sp>
-        <p:nvSpPr>
-          <p:cNvPr id="3" name="Content Placeholder 2">
-            <a:extLst>
-              <a:ext uri="{FF2B5EF4-FFF2-40B4-BE49-F238E27FC236}">
-                <a16:creationId xmlns:a16="http://schemas.microsoft.com/office/drawing/2014/main" id="{4C2077E3-78DB-404F-B183-F25593B675E1}"/>
-              </a:ext>
-            </a:extLst>
-          </p:cNvPr>
+            <a:endParaRPr lang="en-US"/>
+          </a:p>
+        </p:txBody>
+      </p:sp>
+      <p:sp>
+        <p:nvSpPr>
+          <p:cNvPr id="3" name="Content Placeholder 2"/>
           <p:cNvSpPr>
             <a:spLocks noGrp="1"/>
           </p:cNvSpPr>
@@ -804,6 +696,7 @@
               <a:rPr lang="en-US"/>
               <a:t>Edit Master text styles</a:t>
             </a:r>
+            <a:endParaRPr lang="en-US"/>
           </a:p>
           <a:p>
             <a:pPr lvl="1"/>
@@ -811,6 +704,7 @@
               <a:rPr lang="en-US"/>
               <a:t>Second level</a:t>
             </a:r>
+            <a:endParaRPr lang="en-US"/>
           </a:p>
           <a:p>
             <a:pPr lvl="2"/>
@@ -818,6 +712,7 @@
               <a:rPr lang="en-US"/>
               <a:t>Third level</a:t>
             </a:r>
+            <a:endParaRPr lang="en-US"/>
           </a:p>
           <a:p>
             <a:pPr lvl="3"/>
@@ -825,6 +720,7 @@
               <a:rPr lang="en-US"/>
               <a:t>Fourth level</a:t>
             </a:r>
+            <a:endParaRPr lang="en-US"/>
           </a:p>
           <a:p>
             <a:pPr lvl="4"/>
@@ -832,18 +728,13 @@
               <a:rPr lang="en-US"/>
               <a:t>Fifth level</a:t>
             </a:r>
-          </a:p>
-        </p:txBody>
-      </p:sp>
-      <p:sp>
-        <p:nvSpPr>
-          <p:cNvPr id="4" name="Date Placeholder 3">
-            <a:extLst>
-              <a:ext uri="{FF2B5EF4-FFF2-40B4-BE49-F238E27FC236}">
-                <a16:creationId xmlns:a16="http://schemas.microsoft.com/office/drawing/2014/main" id="{B967A136-BDB6-5F44-B548-95871279843B}"/>
-              </a:ext>
-            </a:extLst>
-          </p:cNvPr>
+            <a:endParaRPr lang="en-US"/>
+          </a:p>
+        </p:txBody>
+      </p:sp>
+      <p:sp>
+        <p:nvSpPr>
+          <p:cNvPr id="4" name="Date Placeholder 3"/>
           <p:cNvSpPr>
             <a:spLocks noGrp="1"/>
           </p:cNvSpPr>
@@ -858,7 +749,6 @@
           <a:p>
             <a:fld id="{D13C35F0-329A-0F49-A52C-AA1E4378AACF}" type="datetimeFigureOut">
               <a:rPr lang="en-US" smtClean="0"/>
-              <a:t>5/29/19</a:t>
             </a:fld>
             <a:endParaRPr lang="en-US"/>
           </a:p>
@@ -866,13 +756,7 @@
       </p:sp>
       <p:sp>
         <p:nvSpPr>
-          <p:cNvPr id="5" name="Footer Placeholder 4">
-            <a:extLst>
-              <a:ext uri="{FF2B5EF4-FFF2-40B4-BE49-F238E27FC236}">
-                <a16:creationId xmlns:a16="http://schemas.microsoft.com/office/drawing/2014/main" id="{19EB5809-5BB4-E644-A086-8E16B32AA518}"/>
-              </a:ext>
-            </a:extLst>
-          </p:cNvPr>
+          <p:cNvPr id="5" name="Footer Placeholder 4"/>
           <p:cNvSpPr>
             <a:spLocks noGrp="1"/>
           </p:cNvSpPr>
@@ -891,13 +775,7 @@
       </p:sp>
       <p:sp>
         <p:nvSpPr>
-          <p:cNvPr id="6" name="Slide Number Placeholder 5">
-            <a:extLst>
-              <a:ext uri="{FF2B5EF4-FFF2-40B4-BE49-F238E27FC236}">
-                <a16:creationId xmlns:a16="http://schemas.microsoft.com/office/drawing/2014/main" id="{972F858A-675C-F04A-AC8D-978EF4327DA2}"/>
-              </a:ext>
-            </a:extLst>
-          </p:cNvPr>
+          <p:cNvPr id="6" name="Slide Number Placeholder 5"/>
           <p:cNvSpPr>
             <a:spLocks noGrp="1"/>
           </p:cNvSpPr>
@@ -912,18 +790,12 @@
           <a:p>
             <a:fld id="{8A492A30-9916-364B-869F-AEB2191D56C3}" type="slidenum">
               <a:rPr lang="en-US" smtClean="0"/>
-              <a:t>‹#›</a:t>
             </a:fld>
             <a:endParaRPr lang="en-US"/>
           </a:p>
         </p:txBody>
       </p:sp>
     </p:spTree>
-    <p:extLst>
-      <p:ext uri="{BB962C8B-B14F-4D97-AF65-F5344CB8AC3E}">
-        <p14:creationId xmlns:p14="http://schemas.microsoft.com/office/powerpoint/2010/main" val="977562401"/>
-      </p:ext>
-    </p:extLst>
   </p:cSld>
   <p:clrMapOvr>
     <a:masterClrMapping/>
@@ -950,13 +822,7 @@
       </p:grpSpPr>
       <p:sp>
         <p:nvSpPr>
-          <p:cNvPr id="2" name="Title 1">
-            <a:extLst>
-              <a:ext uri="{FF2B5EF4-FFF2-40B4-BE49-F238E27FC236}">
-                <a16:creationId xmlns:a16="http://schemas.microsoft.com/office/drawing/2014/main" id="{3B869356-0CC9-8E44-8DFC-21DD944F207E}"/>
-              </a:ext>
-            </a:extLst>
-          </p:cNvPr>
+          <p:cNvPr id="2" name="Title 1"/>
           <p:cNvSpPr>
             <a:spLocks noGrp="1"/>
           </p:cNvSpPr>
@@ -982,18 +848,13 @@
               <a:rPr lang="en-US"/>
               <a:t>Click to edit Master title style</a:t>
             </a:r>
-          </a:p>
-        </p:txBody>
-      </p:sp>
-      <p:sp>
-        <p:nvSpPr>
-          <p:cNvPr id="3" name="Text Placeholder 2">
-            <a:extLst>
-              <a:ext uri="{FF2B5EF4-FFF2-40B4-BE49-F238E27FC236}">
-                <a16:creationId xmlns:a16="http://schemas.microsoft.com/office/drawing/2014/main" id="{3429DECF-776D-4343-922B-D08BE47AC1A2}"/>
-              </a:ext>
-            </a:extLst>
-          </p:cNvPr>
+            <a:endParaRPr lang="en-US"/>
+          </a:p>
+        </p:txBody>
+      </p:sp>
+      <p:sp>
+        <p:nvSpPr>
+          <p:cNvPr id="3" name="Text Placeholder 2"/>
           <p:cNvSpPr>
             <a:spLocks noGrp="1"/>
           </p:cNvSpPr>
@@ -1107,18 +968,13 @@
               <a:rPr lang="en-US"/>
               <a:t>Edit Master text styles</a:t>
             </a:r>
-          </a:p>
-        </p:txBody>
-      </p:sp>
-      <p:sp>
-        <p:nvSpPr>
-          <p:cNvPr id="4" name="Date Placeholder 3">
-            <a:extLst>
-              <a:ext uri="{FF2B5EF4-FFF2-40B4-BE49-F238E27FC236}">
-                <a16:creationId xmlns:a16="http://schemas.microsoft.com/office/drawing/2014/main" id="{8C99C7A5-52CC-7245-87C2-971EECE2FF86}"/>
-              </a:ext>
-            </a:extLst>
-          </p:cNvPr>
+            <a:endParaRPr lang="en-US"/>
+          </a:p>
+        </p:txBody>
+      </p:sp>
+      <p:sp>
+        <p:nvSpPr>
+          <p:cNvPr id="4" name="Date Placeholder 3"/>
           <p:cNvSpPr>
             <a:spLocks noGrp="1"/>
           </p:cNvSpPr>
@@ -1133,7 +989,6 @@
           <a:p>
             <a:fld id="{D13C35F0-329A-0F49-A52C-AA1E4378AACF}" type="datetimeFigureOut">
               <a:rPr lang="en-US" smtClean="0"/>
-              <a:t>5/29/19</a:t>
             </a:fld>
             <a:endParaRPr lang="en-US"/>
           </a:p>
@@ -1141,13 +996,7 @@
       </p:sp>
       <p:sp>
         <p:nvSpPr>
-          <p:cNvPr id="5" name="Footer Placeholder 4">
-            <a:extLst>
-              <a:ext uri="{FF2B5EF4-FFF2-40B4-BE49-F238E27FC236}">
-                <a16:creationId xmlns:a16="http://schemas.microsoft.com/office/drawing/2014/main" id="{464DC90B-861F-9140-BA69-45821D55C4BE}"/>
-              </a:ext>
-            </a:extLst>
-          </p:cNvPr>
+          <p:cNvPr id="5" name="Footer Placeholder 4"/>
           <p:cNvSpPr>
             <a:spLocks noGrp="1"/>
           </p:cNvSpPr>
@@ -1166,13 +1015,7 @@
       </p:sp>
       <p:sp>
         <p:nvSpPr>
-          <p:cNvPr id="6" name="Slide Number Placeholder 5">
-            <a:extLst>
-              <a:ext uri="{FF2B5EF4-FFF2-40B4-BE49-F238E27FC236}">
-                <a16:creationId xmlns:a16="http://schemas.microsoft.com/office/drawing/2014/main" id="{CDDF2318-9A07-5F46-8290-D4C5FFD8D00C}"/>
-              </a:ext>
-            </a:extLst>
-          </p:cNvPr>
+          <p:cNvPr id="6" name="Slide Number Placeholder 5"/>
           <p:cNvSpPr>
             <a:spLocks noGrp="1"/>
           </p:cNvSpPr>
@@ -1187,18 +1030,12 @@
           <a:p>
             <a:fld id="{8A492A30-9916-364B-869F-AEB2191D56C3}" type="slidenum">
               <a:rPr lang="en-US" smtClean="0"/>
-              <a:t>‹#›</a:t>
             </a:fld>
             <a:endParaRPr lang="en-US"/>
           </a:p>
         </p:txBody>
       </p:sp>
     </p:spTree>
-    <p:extLst>
-      <p:ext uri="{BB962C8B-B14F-4D97-AF65-F5344CB8AC3E}">
-        <p14:creationId xmlns:p14="http://schemas.microsoft.com/office/powerpoint/2010/main" val="3080840009"/>
-      </p:ext>
-    </p:extLst>
   </p:cSld>
   <p:clrMapOvr>
     <a:masterClrMapping/>
@@ -1225,13 +1062,7 @@
       </p:grpSpPr>
       <p:sp>
         <p:nvSpPr>
-          <p:cNvPr id="2" name="Title 1">
-            <a:extLst>
-              <a:ext uri="{FF2B5EF4-FFF2-40B4-BE49-F238E27FC236}">
-                <a16:creationId xmlns:a16="http://schemas.microsoft.com/office/drawing/2014/main" id="{F83680CF-CC0F-674E-811F-63BDC4FAF456}"/>
-              </a:ext>
-            </a:extLst>
-          </p:cNvPr>
+          <p:cNvPr id="2" name="Title 1"/>
           <p:cNvSpPr>
             <a:spLocks noGrp="1"/>
           </p:cNvSpPr>
@@ -1248,18 +1079,13 @@
               <a:rPr lang="en-US"/>
               <a:t>Click to edit Master title style</a:t>
             </a:r>
-          </a:p>
-        </p:txBody>
-      </p:sp>
-      <p:sp>
-        <p:nvSpPr>
-          <p:cNvPr id="3" name="Content Placeholder 2">
-            <a:extLst>
-              <a:ext uri="{FF2B5EF4-FFF2-40B4-BE49-F238E27FC236}">
-                <a16:creationId xmlns:a16="http://schemas.microsoft.com/office/drawing/2014/main" id="{4C44C462-3F58-6542-A2C8-D2D6467217D9}"/>
-              </a:ext>
-            </a:extLst>
-          </p:cNvPr>
+            <a:endParaRPr lang="en-US"/>
+          </a:p>
+        </p:txBody>
+      </p:sp>
+      <p:sp>
+        <p:nvSpPr>
+          <p:cNvPr id="3" name="Content Placeholder 2"/>
           <p:cNvSpPr>
             <a:spLocks noGrp="1"/>
           </p:cNvSpPr>
@@ -1282,6 +1108,7 @@
               <a:rPr lang="en-US"/>
               <a:t>Edit Master text styles</a:t>
             </a:r>
+            <a:endParaRPr lang="en-US"/>
           </a:p>
           <a:p>
             <a:pPr lvl="1"/>
@@ -1289,6 +1116,7 @@
               <a:rPr lang="en-US"/>
               <a:t>Second level</a:t>
             </a:r>
+            <a:endParaRPr lang="en-US"/>
           </a:p>
           <a:p>
             <a:pPr lvl="2"/>
@@ -1296,6 +1124,7 @@
               <a:rPr lang="en-US"/>
               <a:t>Third level</a:t>
             </a:r>
+            <a:endParaRPr lang="en-US"/>
           </a:p>
           <a:p>
             <a:pPr lvl="3"/>
@@ -1303,6 +1132,7 @@
               <a:rPr lang="en-US"/>
               <a:t>Fourth level</a:t>
             </a:r>
+            <a:endParaRPr lang="en-US"/>
           </a:p>
           <a:p>
             <a:pPr lvl="4"/>
@@ -1310,18 +1140,13 @@
               <a:rPr lang="en-US"/>
               <a:t>Fifth level</a:t>
             </a:r>
-          </a:p>
-        </p:txBody>
-      </p:sp>
-      <p:sp>
-        <p:nvSpPr>
-          <p:cNvPr id="4" name="Content Placeholder 3">
-            <a:extLst>
-              <a:ext uri="{FF2B5EF4-FFF2-40B4-BE49-F238E27FC236}">
-                <a16:creationId xmlns:a16="http://schemas.microsoft.com/office/drawing/2014/main" id="{40E9F97C-0015-E144-9721-795F5B3D4703}"/>
-              </a:ext>
-            </a:extLst>
-          </p:cNvPr>
+            <a:endParaRPr lang="en-US"/>
+          </a:p>
+        </p:txBody>
+      </p:sp>
+      <p:sp>
+        <p:nvSpPr>
+          <p:cNvPr id="4" name="Content Placeholder 3"/>
           <p:cNvSpPr>
             <a:spLocks noGrp="1"/>
           </p:cNvSpPr>
@@ -1344,6 +1169,7 @@
               <a:rPr lang="en-US"/>
               <a:t>Edit Master text styles</a:t>
             </a:r>
+            <a:endParaRPr lang="en-US"/>
           </a:p>
           <a:p>
             <a:pPr lvl="1"/>
@@ -1351,6 +1177,7 @@
               <a:rPr lang="en-US"/>
               <a:t>Second level</a:t>
             </a:r>
+            <a:endParaRPr lang="en-US"/>
           </a:p>
           <a:p>
             <a:pPr lvl="2"/>
@@ -1358,6 +1185,7 @@
               <a:rPr lang="en-US"/>
               <a:t>Third level</a:t>
             </a:r>
+            <a:endParaRPr lang="en-US"/>
           </a:p>
           <a:p>
             <a:pPr lvl="3"/>
@@ -1365,6 +1193,7 @@
               <a:rPr lang="en-US"/>
               <a:t>Fourth level</a:t>
             </a:r>
+            <a:endParaRPr lang="en-US"/>
           </a:p>
           <a:p>
             <a:pPr lvl="4"/>
@@ -1372,18 +1201,13 @@
               <a:rPr lang="en-US"/>
               <a:t>Fifth level</a:t>
             </a:r>
-          </a:p>
-        </p:txBody>
-      </p:sp>
-      <p:sp>
-        <p:nvSpPr>
-          <p:cNvPr id="5" name="Date Placeholder 4">
-            <a:extLst>
-              <a:ext uri="{FF2B5EF4-FFF2-40B4-BE49-F238E27FC236}">
-                <a16:creationId xmlns:a16="http://schemas.microsoft.com/office/drawing/2014/main" id="{1E29B430-D2BA-5943-874A-65BC76B901E1}"/>
-              </a:ext>
-            </a:extLst>
-          </p:cNvPr>
+            <a:endParaRPr lang="en-US"/>
+          </a:p>
+        </p:txBody>
+      </p:sp>
+      <p:sp>
+        <p:nvSpPr>
+          <p:cNvPr id="5" name="Date Placeholder 4"/>
           <p:cNvSpPr>
             <a:spLocks noGrp="1"/>
           </p:cNvSpPr>
@@ -1398,7 +1222,6 @@
           <a:p>
             <a:fld id="{D13C35F0-329A-0F49-A52C-AA1E4378AACF}" type="datetimeFigureOut">
               <a:rPr lang="en-US" smtClean="0"/>
-              <a:t>5/29/19</a:t>
             </a:fld>
             <a:endParaRPr lang="en-US"/>
           </a:p>
@@ -1406,13 +1229,7 @@
       </p:sp>
       <p:sp>
         <p:nvSpPr>
-          <p:cNvPr id="6" name="Footer Placeholder 5">
-            <a:extLst>
-              <a:ext uri="{FF2B5EF4-FFF2-40B4-BE49-F238E27FC236}">
-                <a16:creationId xmlns:a16="http://schemas.microsoft.com/office/drawing/2014/main" id="{D0F43575-08E9-B849-BE34-0E235A7A9911}"/>
-              </a:ext>
-            </a:extLst>
-          </p:cNvPr>
+          <p:cNvPr id="6" name="Footer Placeholder 5"/>
           <p:cNvSpPr>
             <a:spLocks noGrp="1"/>
           </p:cNvSpPr>
@@ -1431,13 +1248,7 @@
       </p:sp>
       <p:sp>
         <p:nvSpPr>
-          <p:cNvPr id="7" name="Slide Number Placeholder 6">
-            <a:extLst>
-              <a:ext uri="{FF2B5EF4-FFF2-40B4-BE49-F238E27FC236}">
-                <a16:creationId xmlns:a16="http://schemas.microsoft.com/office/drawing/2014/main" id="{477D460F-A2A8-AA46-88D2-B78317D29E32}"/>
-              </a:ext>
-            </a:extLst>
-          </p:cNvPr>
+          <p:cNvPr id="7" name="Slide Number Placeholder 6"/>
           <p:cNvSpPr>
             <a:spLocks noGrp="1"/>
           </p:cNvSpPr>
@@ -1452,18 +1263,12 @@
           <a:p>
             <a:fld id="{8A492A30-9916-364B-869F-AEB2191D56C3}" type="slidenum">
               <a:rPr lang="en-US" smtClean="0"/>
-              <a:t>‹#›</a:t>
             </a:fld>
             <a:endParaRPr lang="en-US"/>
           </a:p>
         </p:txBody>
       </p:sp>
     </p:spTree>
-    <p:extLst>
-      <p:ext uri="{BB962C8B-B14F-4D97-AF65-F5344CB8AC3E}">
-        <p14:creationId xmlns:p14="http://schemas.microsoft.com/office/powerpoint/2010/main" val="3643326451"/>
-      </p:ext>
-    </p:extLst>
   </p:cSld>
   <p:clrMapOvr>
     <a:masterClrMapping/>
@@ -1490,13 +1295,7 @@
       </p:grpSpPr>
       <p:sp>
         <p:nvSpPr>
-          <p:cNvPr id="2" name="Title 1">
-            <a:extLst>
-              <a:ext uri="{FF2B5EF4-FFF2-40B4-BE49-F238E27FC236}">
-                <a16:creationId xmlns:a16="http://schemas.microsoft.com/office/drawing/2014/main" id="{3EFD76DA-B0D1-204F-93D0-3CA07FB76333}"/>
-              </a:ext>
-            </a:extLst>
-          </p:cNvPr>
+          <p:cNvPr id="2" name="Title 1"/>
           <p:cNvSpPr>
             <a:spLocks noGrp="1"/>
           </p:cNvSpPr>
@@ -1518,18 +1317,13 @@
               <a:rPr lang="en-US"/>
               <a:t>Click to edit Master title style</a:t>
             </a:r>
-          </a:p>
-        </p:txBody>
-      </p:sp>
-      <p:sp>
-        <p:nvSpPr>
-          <p:cNvPr id="3" name="Text Placeholder 2">
-            <a:extLst>
-              <a:ext uri="{FF2B5EF4-FFF2-40B4-BE49-F238E27FC236}">
-                <a16:creationId xmlns:a16="http://schemas.microsoft.com/office/drawing/2014/main" id="{309933A5-E96F-1045-BCBD-3A2C494B91D0}"/>
-              </a:ext>
-            </a:extLst>
-          </p:cNvPr>
+            <a:endParaRPr lang="en-US"/>
+          </a:p>
+        </p:txBody>
+      </p:sp>
+      <p:sp>
+        <p:nvSpPr>
+          <p:cNvPr id="3" name="Text Placeholder 2"/>
           <p:cNvSpPr>
             <a:spLocks noGrp="1"/>
           </p:cNvSpPr>
@@ -1589,18 +1383,13 @@
               <a:rPr lang="en-US"/>
               <a:t>Edit Master text styles</a:t>
             </a:r>
-          </a:p>
-        </p:txBody>
-      </p:sp>
-      <p:sp>
-        <p:nvSpPr>
-          <p:cNvPr id="4" name="Content Placeholder 3">
-            <a:extLst>
-              <a:ext uri="{FF2B5EF4-FFF2-40B4-BE49-F238E27FC236}">
-                <a16:creationId xmlns:a16="http://schemas.microsoft.com/office/drawing/2014/main" id="{ED683C0E-AD54-144D-A107-6DE13ACB9160}"/>
-              </a:ext>
-            </a:extLst>
-          </p:cNvPr>
+            <a:endParaRPr lang="en-US"/>
+          </a:p>
+        </p:txBody>
+      </p:sp>
+      <p:sp>
+        <p:nvSpPr>
+          <p:cNvPr id="4" name="Content Placeholder 3"/>
           <p:cNvSpPr>
             <a:spLocks noGrp="1"/>
           </p:cNvSpPr>
@@ -1623,6 +1412,7 @@
               <a:rPr lang="en-US"/>
               <a:t>Edit Master text styles</a:t>
             </a:r>
+            <a:endParaRPr lang="en-US"/>
           </a:p>
           <a:p>
             <a:pPr lvl="1"/>
@@ -1630,6 +1420,7 @@
               <a:rPr lang="en-US"/>
               <a:t>Second level</a:t>
             </a:r>
+            <a:endParaRPr lang="en-US"/>
           </a:p>
           <a:p>
             <a:pPr lvl="2"/>
@@ -1637,6 +1428,7 @@
               <a:rPr lang="en-US"/>
               <a:t>Third level</a:t>
             </a:r>
+            <a:endParaRPr lang="en-US"/>
           </a:p>
           <a:p>
             <a:pPr lvl="3"/>
@@ -1644,6 +1436,7 @@
               <a:rPr lang="en-US"/>
               <a:t>Fourth level</a:t>
             </a:r>
+            <a:endParaRPr lang="en-US"/>
           </a:p>
           <a:p>
             <a:pPr lvl="4"/>
@@ -1651,18 +1444,13 @@
               <a:rPr lang="en-US"/>
               <a:t>Fifth level</a:t>
             </a:r>
-          </a:p>
-        </p:txBody>
-      </p:sp>
-      <p:sp>
-        <p:nvSpPr>
-          <p:cNvPr id="5" name="Text Placeholder 4">
-            <a:extLst>
-              <a:ext uri="{FF2B5EF4-FFF2-40B4-BE49-F238E27FC236}">
-                <a16:creationId xmlns:a16="http://schemas.microsoft.com/office/drawing/2014/main" id="{77B8DABA-8EB1-204E-AB80-78CE523277AB}"/>
-              </a:ext>
-            </a:extLst>
-          </p:cNvPr>
+            <a:endParaRPr lang="en-US"/>
+          </a:p>
+        </p:txBody>
+      </p:sp>
+      <p:sp>
+        <p:nvSpPr>
+          <p:cNvPr id="5" name="Text Placeholder 4"/>
           <p:cNvSpPr>
             <a:spLocks noGrp="1"/>
           </p:cNvSpPr>
@@ -1722,18 +1510,13 @@
               <a:rPr lang="en-US"/>
               <a:t>Edit Master text styles</a:t>
             </a:r>
-          </a:p>
-        </p:txBody>
-      </p:sp>
-      <p:sp>
-        <p:nvSpPr>
-          <p:cNvPr id="6" name="Content Placeholder 5">
-            <a:extLst>
-              <a:ext uri="{FF2B5EF4-FFF2-40B4-BE49-F238E27FC236}">
-                <a16:creationId xmlns:a16="http://schemas.microsoft.com/office/drawing/2014/main" id="{C3147E95-02A9-1840-9403-E691436DAEA3}"/>
-              </a:ext>
-            </a:extLst>
-          </p:cNvPr>
+            <a:endParaRPr lang="en-US"/>
+          </a:p>
+        </p:txBody>
+      </p:sp>
+      <p:sp>
+        <p:nvSpPr>
+          <p:cNvPr id="6" name="Content Placeholder 5"/>
           <p:cNvSpPr>
             <a:spLocks noGrp="1"/>
           </p:cNvSpPr>
@@ -1756,6 +1539,7 @@
               <a:rPr lang="en-US"/>
               <a:t>Edit Master text styles</a:t>
             </a:r>
+            <a:endParaRPr lang="en-US"/>
           </a:p>
           <a:p>
             <a:pPr lvl="1"/>
@@ -1763,6 +1547,7 @@
               <a:rPr lang="en-US"/>
               <a:t>Second level</a:t>
             </a:r>
+            <a:endParaRPr lang="en-US"/>
           </a:p>
           <a:p>
             <a:pPr lvl="2"/>
@@ -1770,6 +1555,7 @@
               <a:rPr lang="en-US"/>
               <a:t>Third level</a:t>
             </a:r>
+            <a:endParaRPr lang="en-US"/>
           </a:p>
           <a:p>
             <a:pPr lvl="3"/>
@@ -1777,6 +1563,7 @@
               <a:rPr lang="en-US"/>
               <a:t>Fourth level</a:t>
             </a:r>
+            <a:endParaRPr lang="en-US"/>
           </a:p>
           <a:p>
             <a:pPr lvl="4"/>
@@ -1784,18 +1571,13 @@
               <a:rPr lang="en-US"/>
               <a:t>Fifth level</a:t>
             </a:r>
-          </a:p>
-        </p:txBody>
-      </p:sp>
-      <p:sp>
-        <p:nvSpPr>
-          <p:cNvPr id="7" name="Date Placeholder 6">
-            <a:extLst>
-              <a:ext uri="{FF2B5EF4-FFF2-40B4-BE49-F238E27FC236}">
-                <a16:creationId xmlns:a16="http://schemas.microsoft.com/office/drawing/2014/main" id="{2EBA881E-1064-DA4D-9BEF-8A74867BD777}"/>
-              </a:ext>
-            </a:extLst>
-          </p:cNvPr>
+            <a:endParaRPr lang="en-US"/>
+          </a:p>
+        </p:txBody>
+      </p:sp>
+      <p:sp>
+        <p:nvSpPr>
+          <p:cNvPr id="7" name="Date Placeholder 6"/>
           <p:cNvSpPr>
             <a:spLocks noGrp="1"/>
           </p:cNvSpPr>
@@ -1810,7 +1592,6 @@
           <a:p>
             <a:fld id="{D13C35F0-329A-0F49-A52C-AA1E4378AACF}" type="datetimeFigureOut">
               <a:rPr lang="en-US" smtClean="0"/>
-              <a:t>5/29/19</a:t>
             </a:fld>
             <a:endParaRPr lang="en-US"/>
           </a:p>
@@ -1818,13 +1599,7 @@
       </p:sp>
       <p:sp>
         <p:nvSpPr>
-          <p:cNvPr id="8" name="Footer Placeholder 7">
-            <a:extLst>
-              <a:ext uri="{FF2B5EF4-FFF2-40B4-BE49-F238E27FC236}">
-                <a16:creationId xmlns:a16="http://schemas.microsoft.com/office/drawing/2014/main" id="{8CF0354F-9C61-9E4A-85F8-5364E1069B8D}"/>
-              </a:ext>
-            </a:extLst>
-          </p:cNvPr>
+          <p:cNvPr id="8" name="Footer Placeholder 7"/>
           <p:cNvSpPr>
             <a:spLocks noGrp="1"/>
           </p:cNvSpPr>
@@ -1843,13 +1618,7 @@
       </p:sp>
       <p:sp>
         <p:nvSpPr>
-          <p:cNvPr id="9" name="Slide Number Placeholder 8">
-            <a:extLst>
-              <a:ext uri="{FF2B5EF4-FFF2-40B4-BE49-F238E27FC236}">
-                <a16:creationId xmlns:a16="http://schemas.microsoft.com/office/drawing/2014/main" id="{42AC431B-30C1-CF41-BAC9-FF59DE4A896C}"/>
-              </a:ext>
-            </a:extLst>
-          </p:cNvPr>
+          <p:cNvPr id="9" name="Slide Number Placeholder 8"/>
           <p:cNvSpPr>
             <a:spLocks noGrp="1"/>
           </p:cNvSpPr>
@@ -1864,18 +1633,12 @@
           <a:p>
             <a:fld id="{8A492A30-9916-364B-869F-AEB2191D56C3}" type="slidenum">
               <a:rPr lang="en-US" smtClean="0"/>
-              <a:t>‹#›</a:t>
             </a:fld>
             <a:endParaRPr lang="en-US"/>
           </a:p>
         </p:txBody>
       </p:sp>
     </p:spTree>
-    <p:extLst>
-      <p:ext uri="{BB962C8B-B14F-4D97-AF65-F5344CB8AC3E}">
-        <p14:creationId xmlns:p14="http://schemas.microsoft.com/office/powerpoint/2010/main" val="501121637"/>
-      </p:ext>
-    </p:extLst>
   </p:cSld>
   <p:clrMapOvr>
     <a:masterClrMapping/>
@@ -1902,13 +1665,7 @@
       </p:grpSpPr>
       <p:sp>
         <p:nvSpPr>
-          <p:cNvPr id="2" name="Title 1">
-            <a:extLst>
-              <a:ext uri="{FF2B5EF4-FFF2-40B4-BE49-F238E27FC236}">
-                <a16:creationId xmlns:a16="http://schemas.microsoft.com/office/drawing/2014/main" id="{CE4B7951-89C1-9A4E-B192-1F8588131FAC}"/>
-              </a:ext>
-            </a:extLst>
-          </p:cNvPr>
+          <p:cNvPr id="2" name="Title 1"/>
           <p:cNvSpPr>
             <a:spLocks noGrp="1"/>
           </p:cNvSpPr>
@@ -1925,18 +1682,13 @@
               <a:rPr lang="en-US"/>
               <a:t>Click to edit Master title style</a:t>
             </a:r>
-          </a:p>
-        </p:txBody>
-      </p:sp>
-      <p:sp>
-        <p:nvSpPr>
-          <p:cNvPr id="3" name="Date Placeholder 2">
-            <a:extLst>
-              <a:ext uri="{FF2B5EF4-FFF2-40B4-BE49-F238E27FC236}">
-                <a16:creationId xmlns:a16="http://schemas.microsoft.com/office/drawing/2014/main" id="{D0907FF8-AD39-6B47-A66E-6750A6537786}"/>
-              </a:ext>
-            </a:extLst>
-          </p:cNvPr>
+            <a:endParaRPr lang="en-US"/>
+          </a:p>
+        </p:txBody>
+      </p:sp>
+      <p:sp>
+        <p:nvSpPr>
+          <p:cNvPr id="3" name="Date Placeholder 2"/>
           <p:cNvSpPr>
             <a:spLocks noGrp="1"/>
           </p:cNvSpPr>
@@ -1951,7 +1703,6 @@
           <a:p>
             <a:fld id="{D13C35F0-329A-0F49-A52C-AA1E4378AACF}" type="datetimeFigureOut">
               <a:rPr lang="en-US" smtClean="0"/>
-              <a:t>5/29/19</a:t>
             </a:fld>
             <a:endParaRPr lang="en-US"/>
           </a:p>
@@ -1959,13 +1710,7 @@
       </p:sp>
       <p:sp>
         <p:nvSpPr>
-          <p:cNvPr id="4" name="Footer Placeholder 3">
-            <a:extLst>
-              <a:ext uri="{FF2B5EF4-FFF2-40B4-BE49-F238E27FC236}">
-                <a16:creationId xmlns:a16="http://schemas.microsoft.com/office/drawing/2014/main" id="{287F6601-6A05-B24E-AE11-6E1CCC02CEBD}"/>
-              </a:ext>
-            </a:extLst>
-          </p:cNvPr>
+          <p:cNvPr id="4" name="Footer Placeholder 3"/>
           <p:cNvSpPr>
             <a:spLocks noGrp="1"/>
           </p:cNvSpPr>
@@ -1984,13 +1729,7 @@
       </p:sp>
       <p:sp>
         <p:nvSpPr>
-          <p:cNvPr id="5" name="Slide Number Placeholder 4">
-            <a:extLst>
-              <a:ext uri="{FF2B5EF4-FFF2-40B4-BE49-F238E27FC236}">
-                <a16:creationId xmlns:a16="http://schemas.microsoft.com/office/drawing/2014/main" id="{8596DF42-90D5-644F-9668-A0B759ED6CD7}"/>
-              </a:ext>
-            </a:extLst>
-          </p:cNvPr>
+          <p:cNvPr id="5" name="Slide Number Placeholder 4"/>
           <p:cNvSpPr>
             <a:spLocks noGrp="1"/>
           </p:cNvSpPr>
@@ -2005,18 +1744,12 @@
           <a:p>
             <a:fld id="{8A492A30-9916-364B-869F-AEB2191D56C3}" type="slidenum">
               <a:rPr lang="en-US" smtClean="0"/>
-              <a:t>‹#›</a:t>
             </a:fld>
             <a:endParaRPr lang="en-US"/>
           </a:p>
         </p:txBody>
       </p:sp>
     </p:spTree>
-    <p:extLst>
-      <p:ext uri="{BB962C8B-B14F-4D97-AF65-F5344CB8AC3E}">
-        <p14:creationId xmlns:p14="http://schemas.microsoft.com/office/powerpoint/2010/main" val="4172964710"/>
-      </p:ext>
-    </p:extLst>
   </p:cSld>
   <p:clrMapOvr>
     <a:masterClrMapping/>
@@ -2043,13 +1776,7 @@
       </p:grpSpPr>
       <p:sp>
         <p:nvSpPr>
-          <p:cNvPr id="2" name="Date Placeholder 1">
-            <a:extLst>
-              <a:ext uri="{FF2B5EF4-FFF2-40B4-BE49-F238E27FC236}">
-                <a16:creationId xmlns:a16="http://schemas.microsoft.com/office/drawing/2014/main" id="{861C0FB8-1A58-0B45-8434-E96C63E6C2E2}"/>
-              </a:ext>
-            </a:extLst>
-          </p:cNvPr>
+          <p:cNvPr id="2" name="Date Placeholder 1"/>
           <p:cNvSpPr>
             <a:spLocks noGrp="1"/>
           </p:cNvSpPr>
@@ -2064,7 +1791,6 @@
           <a:p>
             <a:fld id="{D13C35F0-329A-0F49-A52C-AA1E4378AACF}" type="datetimeFigureOut">
               <a:rPr lang="en-US" smtClean="0"/>
-              <a:t>5/29/19</a:t>
             </a:fld>
             <a:endParaRPr lang="en-US"/>
           </a:p>
@@ -2072,13 +1798,7 @@
       </p:sp>
       <p:sp>
         <p:nvSpPr>
-          <p:cNvPr id="3" name="Footer Placeholder 2">
-            <a:extLst>
-              <a:ext uri="{FF2B5EF4-FFF2-40B4-BE49-F238E27FC236}">
-                <a16:creationId xmlns:a16="http://schemas.microsoft.com/office/drawing/2014/main" id="{273C2913-BA1F-CE4E-9B88-FD8242E30BAC}"/>
-              </a:ext>
-            </a:extLst>
-          </p:cNvPr>
+          <p:cNvPr id="3" name="Footer Placeholder 2"/>
           <p:cNvSpPr>
             <a:spLocks noGrp="1"/>
           </p:cNvSpPr>
@@ -2097,13 +1817,7 @@
       </p:sp>
       <p:sp>
         <p:nvSpPr>
-          <p:cNvPr id="4" name="Slide Number Placeholder 3">
-            <a:extLst>
-              <a:ext uri="{FF2B5EF4-FFF2-40B4-BE49-F238E27FC236}">
-                <a16:creationId xmlns:a16="http://schemas.microsoft.com/office/drawing/2014/main" id="{D7A6164A-484E-C944-A25B-24B512718969}"/>
-              </a:ext>
-            </a:extLst>
-          </p:cNvPr>
+          <p:cNvPr id="4" name="Slide Number Placeholder 3"/>
           <p:cNvSpPr>
             <a:spLocks noGrp="1"/>
           </p:cNvSpPr>
@@ -2118,18 +1832,12 @@
           <a:p>
             <a:fld id="{8A492A30-9916-364B-869F-AEB2191D56C3}" type="slidenum">
               <a:rPr lang="en-US" smtClean="0"/>
-              <a:t>‹#›</a:t>
             </a:fld>
             <a:endParaRPr lang="en-US"/>
           </a:p>
         </p:txBody>
       </p:sp>
     </p:spTree>
-    <p:extLst>
-      <p:ext uri="{BB962C8B-B14F-4D97-AF65-F5344CB8AC3E}">
-        <p14:creationId xmlns:p14="http://schemas.microsoft.com/office/powerpoint/2010/main" val="3165068767"/>
-      </p:ext>
-    </p:extLst>
   </p:cSld>
   <p:clrMapOvr>
     <a:masterClrMapping/>
@@ -2156,13 +1864,7 @@
       </p:grpSpPr>
       <p:sp>
         <p:nvSpPr>
-          <p:cNvPr id="2" name="Title 1">
-            <a:extLst>
-              <a:ext uri="{FF2B5EF4-FFF2-40B4-BE49-F238E27FC236}">
-                <a16:creationId xmlns:a16="http://schemas.microsoft.com/office/drawing/2014/main" id="{9D11F059-31BD-F147-9D60-D44E281A39DA}"/>
-              </a:ext>
-            </a:extLst>
-          </p:cNvPr>
+          <p:cNvPr id="2" name="Title 1"/>
           <p:cNvSpPr>
             <a:spLocks noGrp="1"/>
           </p:cNvSpPr>
@@ -2188,18 +1890,13 @@
               <a:rPr lang="en-US"/>
               <a:t>Click to edit Master title style</a:t>
             </a:r>
-          </a:p>
-        </p:txBody>
-      </p:sp>
-      <p:sp>
-        <p:nvSpPr>
-          <p:cNvPr id="3" name="Content Placeholder 2">
-            <a:extLst>
-              <a:ext uri="{FF2B5EF4-FFF2-40B4-BE49-F238E27FC236}">
-                <a16:creationId xmlns:a16="http://schemas.microsoft.com/office/drawing/2014/main" id="{F5821603-F3D1-1B4B-A423-AE831193D7E8}"/>
-              </a:ext>
-            </a:extLst>
-          </p:cNvPr>
+            <a:endParaRPr lang="en-US"/>
+          </a:p>
+        </p:txBody>
+      </p:sp>
+      <p:sp>
+        <p:nvSpPr>
+          <p:cNvPr id="3" name="Content Placeholder 2"/>
           <p:cNvSpPr>
             <a:spLocks noGrp="1"/>
           </p:cNvSpPr>
@@ -2250,6 +1947,7 @@
               <a:rPr lang="en-US"/>
               <a:t>Edit Master text styles</a:t>
             </a:r>
+            <a:endParaRPr lang="en-US"/>
           </a:p>
           <a:p>
             <a:pPr lvl="1"/>
@@ -2257,6 +1955,7 @@
               <a:rPr lang="en-US"/>
               <a:t>Second level</a:t>
             </a:r>
+            <a:endParaRPr lang="en-US"/>
           </a:p>
           <a:p>
             <a:pPr lvl="2"/>
@@ -2264,6 +1963,7 @@
               <a:rPr lang="en-US"/>
               <a:t>Third level</a:t>
             </a:r>
+            <a:endParaRPr lang="en-US"/>
           </a:p>
           <a:p>
             <a:pPr lvl="3"/>
@@ -2271,6 +1971,7 @@
               <a:rPr lang="en-US"/>
               <a:t>Fourth level</a:t>
             </a:r>
+            <a:endParaRPr lang="en-US"/>
           </a:p>
           <a:p>
             <a:pPr lvl="4"/>
@@ -2278,18 +1979,13 @@
               <a:rPr lang="en-US"/>
               <a:t>Fifth level</a:t>
             </a:r>
-          </a:p>
-        </p:txBody>
-      </p:sp>
-      <p:sp>
-        <p:nvSpPr>
-          <p:cNvPr id="4" name="Text Placeholder 3">
-            <a:extLst>
-              <a:ext uri="{FF2B5EF4-FFF2-40B4-BE49-F238E27FC236}">
-                <a16:creationId xmlns:a16="http://schemas.microsoft.com/office/drawing/2014/main" id="{C1A1AE9C-E8EA-8940-A6FD-8761C85C6E18}"/>
-              </a:ext>
-            </a:extLst>
-          </p:cNvPr>
+            <a:endParaRPr lang="en-US"/>
+          </a:p>
+        </p:txBody>
+      </p:sp>
+      <p:sp>
+        <p:nvSpPr>
+          <p:cNvPr id="4" name="Text Placeholder 3"/>
           <p:cNvSpPr>
             <a:spLocks noGrp="1"/>
           </p:cNvSpPr>
@@ -2349,18 +2045,13 @@
               <a:rPr lang="en-US"/>
               <a:t>Edit Master text styles</a:t>
             </a:r>
-          </a:p>
-        </p:txBody>
-      </p:sp>
-      <p:sp>
-        <p:nvSpPr>
-          <p:cNvPr id="5" name="Date Placeholder 4">
-            <a:extLst>
-              <a:ext uri="{FF2B5EF4-FFF2-40B4-BE49-F238E27FC236}">
-                <a16:creationId xmlns:a16="http://schemas.microsoft.com/office/drawing/2014/main" id="{3DEC449A-45A2-624E-BD12-D30EA5E4751B}"/>
-              </a:ext>
-            </a:extLst>
-          </p:cNvPr>
+            <a:endParaRPr lang="en-US"/>
+          </a:p>
+        </p:txBody>
+      </p:sp>
+      <p:sp>
+        <p:nvSpPr>
+          <p:cNvPr id="5" name="Date Placeholder 4"/>
           <p:cNvSpPr>
             <a:spLocks noGrp="1"/>
           </p:cNvSpPr>
@@ -2375,7 +2066,6 @@
           <a:p>
             <a:fld id="{D13C35F0-329A-0F49-A52C-AA1E4378AACF}" type="datetimeFigureOut">
               <a:rPr lang="en-US" smtClean="0"/>
-              <a:t>5/29/19</a:t>
             </a:fld>
             <a:endParaRPr lang="en-US"/>
           </a:p>
@@ -2383,13 +2073,7 @@
       </p:sp>
       <p:sp>
         <p:nvSpPr>
-          <p:cNvPr id="6" name="Footer Placeholder 5">
-            <a:extLst>
-              <a:ext uri="{FF2B5EF4-FFF2-40B4-BE49-F238E27FC236}">
-                <a16:creationId xmlns:a16="http://schemas.microsoft.com/office/drawing/2014/main" id="{1F80BBA7-4ECC-4A4A-9D87-FDE494E9C506}"/>
-              </a:ext>
-            </a:extLst>
-          </p:cNvPr>
+          <p:cNvPr id="6" name="Footer Placeholder 5"/>
           <p:cNvSpPr>
             <a:spLocks noGrp="1"/>
           </p:cNvSpPr>
@@ -2408,13 +2092,7 @@
       </p:sp>
       <p:sp>
         <p:nvSpPr>
-          <p:cNvPr id="7" name="Slide Number Placeholder 6">
-            <a:extLst>
-              <a:ext uri="{FF2B5EF4-FFF2-40B4-BE49-F238E27FC236}">
-                <a16:creationId xmlns:a16="http://schemas.microsoft.com/office/drawing/2014/main" id="{8B94EAAC-E22A-1046-81DC-DF5AC43ED8B7}"/>
-              </a:ext>
-            </a:extLst>
-          </p:cNvPr>
+          <p:cNvPr id="7" name="Slide Number Placeholder 6"/>
           <p:cNvSpPr>
             <a:spLocks noGrp="1"/>
           </p:cNvSpPr>
@@ -2429,18 +2107,12 @@
           <a:p>
             <a:fld id="{8A492A30-9916-364B-869F-AEB2191D56C3}" type="slidenum">
               <a:rPr lang="en-US" smtClean="0"/>
-              <a:t>‹#›</a:t>
             </a:fld>
             <a:endParaRPr lang="en-US"/>
           </a:p>
         </p:txBody>
       </p:sp>
     </p:spTree>
-    <p:extLst>
-      <p:ext uri="{BB962C8B-B14F-4D97-AF65-F5344CB8AC3E}">
-        <p14:creationId xmlns:p14="http://schemas.microsoft.com/office/powerpoint/2010/main" val="2334002399"/>
-      </p:ext>
-    </p:extLst>
   </p:cSld>
   <p:clrMapOvr>
     <a:masterClrMapping/>
@@ -2467,13 +2139,7 @@
       </p:grpSpPr>
       <p:sp>
         <p:nvSpPr>
-          <p:cNvPr id="2" name="Title 1">
-            <a:extLst>
-              <a:ext uri="{FF2B5EF4-FFF2-40B4-BE49-F238E27FC236}">
-                <a16:creationId xmlns:a16="http://schemas.microsoft.com/office/drawing/2014/main" id="{24C4289B-E2F0-4F44-A906-594B468DC442}"/>
-              </a:ext>
-            </a:extLst>
-          </p:cNvPr>
+          <p:cNvPr id="2" name="Title 1"/>
           <p:cNvSpPr>
             <a:spLocks noGrp="1"/>
           </p:cNvSpPr>
@@ -2499,18 +2165,13 @@
               <a:rPr lang="en-US"/>
               <a:t>Click to edit Master title style</a:t>
             </a:r>
-          </a:p>
-        </p:txBody>
-      </p:sp>
-      <p:sp>
-        <p:nvSpPr>
-          <p:cNvPr id="3" name="Picture Placeholder 2">
-            <a:extLst>
-              <a:ext uri="{FF2B5EF4-FFF2-40B4-BE49-F238E27FC236}">
-                <a16:creationId xmlns:a16="http://schemas.microsoft.com/office/drawing/2014/main" id="{CC1D9EF3-78F7-AB4F-96E9-BD007AAA01F9}"/>
-              </a:ext>
-            </a:extLst>
-          </p:cNvPr>
+            <a:endParaRPr lang="en-US"/>
+          </a:p>
+        </p:txBody>
+      </p:sp>
+      <p:sp>
+        <p:nvSpPr>
+          <p:cNvPr id="3" name="Picture Placeholder 2"/>
           <p:cNvSpPr>
             <a:spLocks noGrp="1"/>
           </p:cNvSpPr>
@@ -2571,13 +2232,7 @@
       </p:sp>
       <p:sp>
         <p:nvSpPr>
-          <p:cNvPr id="4" name="Text Placeholder 3">
-            <a:extLst>
-              <a:ext uri="{FF2B5EF4-FFF2-40B4-BE49-F238E27FC236}">
-                <a16:creationId xmlns:a16="http://schemas.microsoft.com/office/drawing/2014/main" id="{44EC0B6E-31BB-1542-AA03-FB4C5FBFBEA5}"/>
-              </a:ext>
-            </a:extLst>
-          </p:cNvPr>
+          <p:cNvPr id="4" name="Text Placeholder 3"/>
           <p:cNvSpPr>
             <a:spLocks noGrp="1"/>
           </p:cNvSpPr>
@@ -2637,18 +2292,13 @@
               <a:rPr lang="en-US"/>
               <a:t>Edit Master text styles</a:t>
             </a:r>
-          </a:p>
-        </p:txBody>
-      </p:sp>
-      <p:sp>
-        <p:nvSpPr>
-          <p:cNvPr id="5" name="Date Placeholder 4">
-            <a:extLst>
-              <a:ext uri="{FF2B5EF4-FFF2-40B4-BE49-F238E27FC236}">
-                <a16:creationId xmlns:a16="http://schemas.microsoft.com/office/drawing/2014/main" id="{8CB74F10-DA7B-C04D-8808-E630A9B7BF62}"/>
-              </a:ext>
-            </a:extLst>
-          </p:cNvPr>
+            <a:endParaRPr lang="en-US"/>
+          </a:p>
+        </p:txBody>
+      </p:sp>
+      <p:sp>
+        <p:nvSpPr>
+          <p:cNvPr id="5" name="Date Placeholder 4"/>
           <p:cNvSpPr>
             <a:spLocks noGrp="1"/>
           </p:cNvSpPr>
@@ -2663,7 +2313,6 @@
           <a:p>
             <a:fld id="{D13C35F0-329A-0F49-A52C-AA1E4378AACF}" type="datetimeFigureOut">
               <a:rPr lang="en-US" smtClean="0"/>
-              <a:t>5/29/19</a:t>
             </a:fld>
             <a:endParaRPr lang="en-US"/>
           </a:p>
@@ -2671,13 +2320,7 @@
       </p:sp>
       <p:sp>
         <p:nvSpPr>
-          <p:cNvPr id="6" name="Footer Placeholder 5">
-            <a:extLst>
-              <a:ext uri="{FF2B5EF4-FFF2-40B4-BE49-F238E27FC236}">
-                <a16:creationId xmlns:a16="http://schemas.microsoft.com/office/drawing/2014/main" id="{6AA11330-0C2A-814C-85B9-15E3C09E569A}"/>
-              </a:ext>
-            </a:extLst>
-          </p:cNvPr>
+          <p:cNvPr id="6" name="Footer Placeholder 5"/>
           <p:cNvSpPr>
             <a:spLocks noGrp="1"/>
           </p:cNvSpPr>
@@ -2696,13 +2339,7 @@
       </p:sp>
       <p:sp>
         <p:nvSpPr>
-          <p:cNvPr id="7" name="Slide Number Placeholder 6">
-            <a:extLst>
-              <a:ext uri="{FF2B5EF4-FFF2-40B4-BE49-F238E27FC236}">
-                <a16:creationId xmlns:a16="http://schemas.microsoft.com/office/drawing/2014/main" id="{B9FE332A-E229-044A-BDD8-334287277CF7}"/>
-              </a:ext>
-            </a:extLst>
-          </p:cNvPr>
+          <p:cNvPr id="7" name="Slide Number Placeholder 6"/>
           <p:cNvSpPr>
             <a:spLocks noGrp="1"/>
           </p:cNvSpPr>
@@ -2717,18 +2354,12 @@
           <a:p>
             <a:fld id="{8A492A30-9916-364B-869F-AEB2191D56C3}" type="slidenum">
               <a:rPr lang="en-US" smtClean="0"/>
-              <a:t>‹#›</a:t>
             </a:fld>
             <a:endParaRPr lang="en-US"/>
           </a:p>
         </p:txBody>
       </p:sp>
     </p:spTree>
-    <p:extLst>
-      <p:ext uri="{BB962C8B-B14F-4D97-AF65-F5344CB8AC3E}">
-        <p14:creationId xmlns:p14="http://schemas.microsoft.com/office/powerpoint/2010/main" val="2528453496"/>
-      </p:ext>
-    </p:extLst>
   </p:cSld>
   <p:clrMapOvr>
     <a:masterClrMapping/>
@@ -2760,13 +2391,7 @@
       </p:grpSpPr>
       <p:sp>
         <p:nvSpPr>
-          <p:cNvPr id="2" name="Title Placeholder 1">
-            <a:extLst>
-              <a:ext uri="{FF2B5EF4-FFF2-40B4-BE49-F238E27FC236}">
-                <a16:creationId xmlns:a16="http://schemas.microsoft.com/office/drawing/2014/main" id="{A78B483F-DA23-454D-A7FB-D7CD307DDAC8}"/>
-              </a:ext>
-            </a:extLst>
-          </p:cNvPr>
+          <p:cNvPr id="2" name="Title Placeholder 1"/>
           <p:cNvSpPr>
             <a:spLocks noGrp="1"/>
           </p:cNvSpPr>
@@ -2793,18 +2418,13 @@
               <a:rPr lang="en-US"/>
               <a:t>Click to edit Master title style</a:t>
             </a:r>
-          </a:p>
-        </p:txBody>
-      </p:sp>
-      <p:sp>
-        <p:nvSpPr>
-          <p:cNvPr id="3" name="Text Placeholder 2">
-            <a:extLst>
-              <a:ext uri="{FF2B5EF4-FFF2-40B4-BE49-F238E27FC236}">
-                <a16:creationId xmlns:a16="http://schemas.microsoft.com/office/drawing/2014/main" id="{8787681B-FB24-A047-84B5-7EF8833963A0}"/>
-              </a:ext>
-            </a:extLst>
-          </p:cNvPr>
+            <a:endParaRPr lang="en-US"/>
+          </a:p>
+        </p:txBody>
+      </p:sp>
+      <p:sp>
+        <p:nvSpPr>
+          <p:cNvPr id="3" name="Text Placeholder 2"/>
           <p:cNvSpPr>
             <a:spLocks noGrp="1"/>
           </p:cNvSpPr>
@@ -2832,6 +2452,7 @@
               <a:rPr lang="en-US"/>
               <a:t>Edit Master text styles</a:t>
             </a:r>
+            <a:endParaRPr lang="en-US"/>
           </a:p>
           <a:p>
             <a:pPr lvl="1"/>
@@ -2839,6 +2460,7 @@
               <a:rPr lang="en-US"/>
               <a:t>Second level</a:t>
             </a:r>
+            <a:endParaRPr lang="en-US"/>
           </a:p>
           <a:p>
             <a:pPr lvl="2"/>
@@ -2846,6 +2468,7 @@
               <a:rPr lang="en-US"/>
               <a:t>Third level</a:t>
             </a:r>
+            <a:endParaRPr lang="en-US"/>
           </a:p>
           <a:p>
             <a:pPr lvl="3"/>
@@ -2853,6 +2476,7 @@
               <a:rPr lang="en-US"/>
               <a:t>Fourth level</a:t>
             </a:r>
+            <a:endParaRPr lang="en-US"/>
           </a:p>
           <a:p>
             <a:pPr lvl="4"/>
@@ -2860,18 +2484,13 @@
               <a:rPr lang="en-US"/>
               <a:t>Fifth level</a:t>
             </a:r>
-          </a:p>
-        </p:txBody>
-      </p:sp>
-      <p:sp>
-        <p:nvSpPr>
-          <p:cNvPr id="4" name="Date Placeholder 3">
-            <a:extLst>
-              <a:ext uri="{FF2B5EF4-FFF2-40B4-BE49-F238E27FC236}">
-                <a16:creationId xmlns:a16="http://schemas.microsoft.com/office/drawing/2014/main" id="{D6BCD395-1C47-BE4C-9697-286320A15CC7}"/>
-              </a:ext>
-            </a:extLst>
-          </p:cNvPr>
+            <a:endParaRPr lang="en-US"/>
+          </a:p>
+        </p:txBody>
+      </p:sp>
+      <p:sp>
+        <p:nvSpPr>
+          <p:cNvPr id="4" name="Date Placeholder 3"/>
           <p:cNvSpPr>
             <a:spLocks noGrp="1"/>
           </p:cNvSpPr>
@@ -2904,7 +2523,6 @@
           <a:p>
             <a:fld id="{D13C35F0-329A-0F49-A52C-AA1E4378AACF}" type="datetimeFigureOut">
               <a:rPr lang="en-US" smtClean="0"/>
-              <a:t>5/29/19</a:t>
             </a:fld>
             <a:endParaRPr lang="en-US"/>
           </a:p>
@@ -2912,13 +2530,7 @@
       </p:sp>
       <p:sp>
         <p:nvSpPr>
-          <p:cNvPr id="5" name="Footer Placeholder 4">
-            <a:extLst>
-              <a:ext uri="{FF2B5EF4-FFF2-40B4-BE49-F238E27FC236}">
-                <a16:creationId xmlns:a16="http://schemas.microsoft.com/office/drawing/2014/main" id="{CA26D2F1-4A46-1D42-8C9D-FAD127A8AE7F}"/>
-              </a:ext>
-            </a:extLst>
-          </p:cNvPr>
+          <p:cNvPr id="5" name="Footer Placeholder 4"/>
           <p:cNvSpPr>
             <a:spLocks noGrp="1"/>
           </p:cNvSpPr>
@@ -2955,13 +2567,7 @@
       </p:sp>
       <p:sp>
         <p:nvSpPr>
-          <p:cNvPr id="6" name="Slide Number Placeholder 5">
-            <a:extLst>
-              <a:ext uri="{FF2B5EF4-FFF2-40B4-BE49-F238E27FC236}">
-                <a16:creationId xmlns:a16="http://schemas.microsoft.com/office/drawing/2014/main" id="{0AEE6CC3-96D1-2A49-85EC-08611D2AF513}"/>
-              </a:ext>
-            </a:extLst>
-          </p:cNvPr>
+          <p:cNvPr id="6" name="Slide Number Placeholder 5"/>
           <p:cNvSpPr>
             <a:spLocks noGrp="1"/>
           </p:cNvSpPr>
@@ -2994,18 +2600,12 @@
           <a:p>
             <a:fld id="{8A492A30-9916-364B-869F-AEB2191D56C3}" type="slidenum">
               <a:rPr lang="en-US" smtClean="0"/>
-              <a:t>‹#›</a:t>
             </a:fld>
             <a:endParaRPr lang="en-US"/>
           </a:p>
         </p:txBody>
       </p:sp>
     </p:spTree>
-    <p:extLst>
-      <p:ext uri="{BB962C8B-B14F-4D97-AF65-F5344CB8AC3E}">
-        <p14:creationId xmlns:p14="http://schemas.microsoft.com/office/powerpoint/2010/main" val="1822507244"/>
-      </p:ext>
-    </p:extLst>
   </p:cSld>
   <p:clrMap bg1="lt1" tx1="dk1" bg2="lt2" tx2="dk2" accent1="accent1" accent2="accent2" accent3="accent3" accent4="accent4" accent5="accent5" accent6="accent6" hlink="hlink" folHlink="folHlink"/>
   <p:sldLayoutIdLst>
@@ -3323,13 +2923,7 @@
       </p:grpSpPr>
       <p:sp>
         <p:nvSpPr>
-          <p:cNvPr id="2" name="Title 1">
-            <a:extLst>
-              <a:ext uri="{FF2B5EF4-FFF2-40B4-BE49-F238E27FC236}">
-                <a16:creationId xmlns:a16="http://schemas.microsoft.com/office/drawing/2014/main" id="{869CDA22-2F2D-7A45-A1CC-832403737D29}"/>
-              </a:ext>
-            </a:extLst>
-          </p:cNvPr>
+          <p:cNvPr id="2" name="Title 1"/>
           <p:cNvSpPr>
             <a:spLocks noGrp="1"/>
           </p:cNvSpPr>
@@ -3343,35 +2937,14 @@
           <a:lstStyle/>
           <a:p>
             <a:r>
-              <a:rPr lang="en-US" dirty="0" err="1"/>
-              <a:t>Pues</a:t>
-            </a:r>
-            <a:r>
-              <a:rPr lang="en-US" dirty="0"/>
-              <a:t>, </a:t>
-            </a:r>
-            <a:r>
-              <a:rPr lang="en-US" dirty="0" err="1"/>
-              <a:t>te</a:t>
-            </a:r>
-            <a:r>
-              <a:rPr lang="en-US" dirty="0"/>
-              <a:t> </a:t>
-            </a:r>
-            <a:r>
-              <a:rPr lang="en-US" dirty="0" err="1"/>
-              <a:t>amo</a:t>
-            </a:r>
-            <a:endParaRPr lang="en-US" dirty="0"/>
+              <a:rPr lang="es-ES" altLang="en-US" dirty="0" err="1"/>
+              <a:t>Example 3</a:t>
+            </a:r>
+            <a:endParaRPr lang="es-ES" altLang="en-US" dirty="0"/>
           </a:p>
         </p:txBody>
       </p:sp>
     </p:spTree>
-    <p:extLst>
-      <p:ext uri="{BB962C8B-B14F-4D97-AF65-F5344CB8AC3E}">
-        <p14:creationId xmlns:p14="http://schemas.microsoft.com/office/powerpoint/2010/main" val="1049687874"/>
-      </p:ext>
-    </p:extLst>
   </p:cSld>
   <p:clrMapOvr>
     <a:masterClrMapping/>
@@ -3422,7 +2995,7 @@
     </a:clrScheme>
     <a:fontScheme name="Office">
       <a:majorFont>
-        <a:latin typeface="Calibri Light" panose="020F0302020204030204"/>
+        <a:latin typeface="Calibri Light"/>
         <a:ea typeface=""/>
         <a:cs typeface=""/>
         <a:font script="Jpan" typeface="游ゴシック Light"/>
@@ -3455,26 +3028,9 @@
         <a:font script="Viet" typeface="Times New Roman"/>
         <a:font script="Uigh" typeface="Microsoft Uighur"/>
         <a:font script="Geor" typeface="Sylfaen"/>
-        <a:font script="Armn" typeface="Arial"/>
-        <a:font script="Bugi" typeface="Leelawadee UI"/>
-        <a:font script="Bopo" typeface="Microsoft JhengHei"/>
-        <a:font script="Java" typeface="Javanese Text"/>
-        <a:font script="Lisu" typeface="Segoe UI"/>
-        <a:font script="Mymr" typeface="Myanmar Text"/>
-        <a:font script="Nkoo" typeface="Ebrima"/>
-        <a:font script="Olck" typeface="Nirmala UI"/>
-        <a:font script="Osma" typeface="Ebrima"/>
-        <a:font script="Phag" typeface="Phagspa"/>
-        <a:font script="Syrn" typeface="Estrangelo Edessa"/>
-        <a:font script="Syrj" typeface="Estrangelo Edessa"/>
-        <a:font script="Syre" typeface="Estrangelo Edessa"/>
-        <a:font script="Sora" typeface="Nirmala UI"/>
-        <a:font script="Tale" typeface="Microsoft Tai Le"/>
-        <a:font script="Talu" typeface="Microsoft New Tai Lue"/>
-        <a:font script="Tfng" typeface="Ebrima"/>
       </a:majorFont>
       <a:minorFont>
-        <a:latin typeface="Calibri" panose="020F0502020204030204"/>
+        <a:latin typeface="Calibri"/>
         <a:ea typeface=""/>
         <a:cs typeface=""/>
         <a:font script="Jpan" typeface="游ゴシック"/>
@@ -3507,23 +3063,6 @@
         <a:font script="Viet" typeface="Arial"/>
         <a:font script="Uigh" typeface="Microsoft Uighur"/>
         <a:font script="Geor" typeface="Sylfaen"/>
-        <a:font script="Armn" typeface="Arial"/>
-        <a:font script="Bugi" typeface="Leelawadee UI"/>
-        <a:font script="Bopo" typeface="Microsoft JhengHei"/>
-        <a:font script="Java" typeface="Javanese Text"/>
-        <a:font script="Lisu" typeface="Segoe UI"/>
-        <a:font script="Mymr" typeface="Myanmar Text"/>
-        <a:font script="Nkoo" typeface="Ebrima"/>
-        <a:font script="Olck" typeface="Nirmala UI"/>
-        <a:font script="Osma" typeface="Ebrima"/>
-        <a:font script="Phag" typeface="Phagspa"/>
-        <a:font script="Syrn" typeface="Estrangelo Edessa"/>
-        <a:font script="Syrj" typeface="Estrangelo Edessa"/>
-        <a:font script="Syre" typeface="Estrangelo Edessa"/>
-        <a:font script="Sora" typeface="Nirmala UI"/>
-        <a:font script="Tale" typeface="Microsoft Tai Le"/>
-        <a:font script="Talu" typeface="Microsoft New Tai Lue"/>
-        <a:font script="Tfng" typeface="Ebrima"/>
       </a:minorFont>
     </a:fontScheme>
     <a:fmtScheme name="Office">
@@ -3664,8 +3203,6 @@
       </a:bgFillStyleLst>
     </a:fmtScheme>
   </a:themeElements>
-  <a:objectDefaults/>
-  <a:extraClrSchemeLst/>
   <a:extLst>
     <a:ext uri="{05A4C25C-085E-4340-85A3-A5531E510DB2}">
       <thm15:themeFamily xmlns:thm15="http://schemas.microsoft.com/office/thememl/2012/main" name="Office Theme" id="{62F939B6-93AF-4DB8-9C6B-D6C7DFDC589F}" vid="{4A3C46E8-61CC-4603-A589-7422A47A8E4A}"/>
